--- a/Fig/Intro/Intro_DRF_model/Intro_DRF_model.pptx
+++ b/Fig/Intro/Intro_DRF_model/Intro_DRF_model.pptx
@@ -110,12 +110,12 @@
   <p:extLst>
     <p:ext uri="{EFAFB233-063F-42B5-8137-9DF3F51BA10A}">
       <p15:sldGuideLst xmlns:p15="http://schemas.microsoft.com/office/powerpoint/2012/main">
-        <p15:guide id="1" pos="1298" userDrawn="1">
+        <p15:guide id="1" pos="2160" userDrawn="1">
           <p15:clr>
             <a:srgbClr val="A4A3A4"/>
           </p15:clr>
         </p15:guide>
-        <p15:guide id="2" orient="horz" pos="3120">
+        <p15:guide id="2" orient="horz" pos="3121" userDrawn="1">
           <p15:clr>
             <a:srgbClr val="A4A3A4"/>
           </p15:clr>
@@ -208,7 +208,7 @@
           <a:p>
             <a:fld id="{C9E36796-3BFE-4867-9ABD-08B4C222DE73}" type="datetimeFigureOut">
               <a:rPr lang="en-US" smtClean="0"/>
-              <a:t>9/15/2017</a:t>
+              <a:t>9/19/2017</a:t>
             </a:fld>
             <a:endParaRPr lang="en-US"/>
           </a:p>
@@ -503,7 +503,12 @@
             <p:ph type="sldImg"/>
           </p:nvPr>
         </p:nvSpPr>
-        <p:spPr/>
+        <p:spPr>
+          <a:xfrm>
+            <a:off x="2360613" y="1143000"/>
+            <a:ext cx="2136775" cy="3086100"/>
+          </a:xfrm>
+        </p:spPr>
       </p:sp>
       <p:sp>
         <p:nvSpPr>
@@ -589,7 +594,7 @@
         </p:nvSpPr>
         <p:spPr>
           <a:xfrm>
-            <a:off x="514350" y="1621191"/>
+            <a:off x="514352" y="1621191"/>
             <a:ext cx="5829300" cy="3448756"/>
           </a:xfrm>
         </p:spPr>
@@ -597,7 +602,7 @@
           <a:bodyPr anchor="b"/>
           <a:lstStyle>
             <a:lvl1pPr algn="ctr">
-              <a:defRPr sz="4500"/>
+              <a:defRPr sz="4501"/>
             </a:lvl1pPr>
           </a:lstStyle>
           <a:p>
@@ -632,35 +637,35 @@
               <a:buNone/>
               <a:defRPr sz="1800"/>
             </a:lvl1pPr>
-            <a:lvl2pPr marL="342900" indent="0" algn="ctr">
+            <a:lvl2pPr marL="342917" indent="0" algn="ctr">
               <a:buNone/>
               <a:defRPr sz="1500"/>
             </a:lvl2pPr>
-            <a:lvl3pPr marL="685800" indent="0" algn="ctr">
+            <a:lvl3pPr marL="685834" indent="0" algn="ctr">
               <a:buNone/>
               <a:defRPr sz="1350"/>
             </a:lvl3pPr>
-            <a:lvl4pPr marL="1028700" indent="0" algn="ctr">
+            <a:lvl4pPr marL="1028751" indent="0" algn="ctr">
               <a:buNone/>
               <a:defRPr sz="1200"/>
             </a:lvl4pPr>
-            <a:lvl5pPr marL="1371600" indent="0" algn="ctr">
+            <a:lvl5pPr marL="1371668" indent="0" algn="ctr">
               <a:buNone/>
               <a:defRPr sz="1200"/>
             </a:lvl5pPr>
-            <a:lvl6pPr marL="1714500" indent="0" algn="ctr">
+            <a:lvl6pPr marL="1714584" indent="0" algn="ctr">
               <a:buNone/>
               <a:defRPr sz="1200"/>
             </a:lvl6pPr>
-            <a:lvl7pPr marL="2057400" indent="0" algn="ctr">
+            <a:lvl7pPr marL="2057503" indent="0" algn="ctr">
               <a:buNone/>
               <a:defRPr sz="1200"/>
             </a:lvl7pPr>
-            <a:lvl8pPr marL="2400300" indent="0" algn="ctr">
+            <a:lvl8pPr marL="2400418" indent="0" algn="ctr">
               <a:buNone/>
               <a:defRPr sz="1200"/>
             </a:lvl8pPr>
-            <a:lvl9pPr marL="2743200" indent="0" algn="ctr">
+            <a:lvl9pPr marL="2743335" indent="0" algn="ctr">
               <a:buNone/>
               <a:defRPr sz="1200"/>
             </a:lvl9pPr>
@@ -691,7 +696,7 @@
           <a:p>
             <a:fld id="{FFCA3A82-EC32-4B49-BF0B-8FC2564EDB60}" type="datetimeFigureOut">
               <a:rPr lang="en-US" smtClean="0"/>
-              <a:t>9/15/2017</a:t>
+              <a:t>9/19/2017</a:t>
             </a:fld>
             <a:endParaRPr lang="en-US"/>
           </a:p>
@@ -861,7 +866,7 @@
           <a:p>
             <a:fld id="{FFCA3A82-EC32-4B49-BF0B-8FC2564EDB60}" type="datetimeFigureOut">
               <a:rPr lang="en-US" smtClean="0"/>
-              <a:t>9/15/2017</a:t>
+              <a:t>9/19/2017</a:t>
             </a:fld>
             <a:endParaRPr lang="en-US"/>
           </a:p>
@@ -951,7 +956,7 @@
         </p:nvSpPr>
         <p:spPr>
           <a:xfrm>
-            <a:off x="4907757" y="527403"/>
+            <a:off x="4907757" y="527407"/>
             <a:ext cx="1478756" cy="8394877"/>
           </a:xfrm>
         </p:spPr>
@@ -979,7 +984,7 @@
         </p:nvSpPr>
         <p:spPr>
           <a:xfrm>
-            <a:off x="471488" y="527403"/>
+            <a:off x="471488" y="527407"/>
             <a:ext cx="4350544" cy="8394877"/>
           </a:xfrm>
         </p:spPr>
@@ -1041,7 +1046,7 @@
           <a:p>
             <a:fld id="{FFCA3A82-EC32-4B49-BF0B-8FC2564EDB60}" type="datetimeFigureOut">
               <a:rPr lang="en-US" smtClean="0"/>
-              <a:t>9/15/2017</a:t>
+              <a:t>9/19/2017</a:t>
             </a:fld>
             <a:endParaRPr lang="en-US"/>
           </a:p>
@@ -1211,7 +1216,7 @@
           <a:p>
             <a:fld id="{FFCA3A82-EC32-4B49-BF0B-8FC2564EDB60}" type="datetimeFigureOut">
               <a:rPr lang="en-US" smtClean="0"/>
-              <a:t>9/15/2017</a:t>
+              <a:t>9/19/2017</a:t>
             </a:fld>
             <a:endParaRPr lang="en-US"/>
           </a:p>
@@ -1301,15 +1306,15 @@
         </p:nvSpPr>
         <p:spPr>
           <a:xfrm>
-            <a:off x="467916" y="2469624"/>
-            <a:ext cx="5915025" cy="4120620"/>
+            <a:off x="467917" y="2469624"/>
+            <a:ext cx="5915025" cy="4120621"/>
           </a:xfrm>
         </p:spPr>
         <p:txBody>
           <a:bodyPr anchor="b"/>
           <a:lstStyle>
             <a:lvl1pPr>
-              <a:defRPr sz="4500"/>
+              <a:defRPr sz="4501"/>
             </a:lvl1pPr>
           </a:lstStyle>
           <a:p>
@@ -1333,7 +1338,7 @@
         </p:nvSpPr>
         <p:spPr>
           <a:xfrm>
-            <a:off x="467916" y="6629226"/>
+            <a:off x="467917" y="6629229"/>
             <a:ext cx="5915025" cy="2166937"/>
           </a:xfrm>
         </p:spPr>
@@ -1348,7 +1353,7 @@
                 </a:solidFill>
               </a:defRPr>
             </a:lvl1pPr>
-            <a:lvl2pPr marL="342900" indent="0">
+            <a:lvl2pPr marL="342917" indent="0">
               <a:buNone/>
               <a:defRPr sz="1500">
                 <a:solidFill>
@@ -1358,7 +1363,7 @@
                 </a:solidFill>
               </a:defRPr>
             </a:lvl2pPr>
-            <a:lvl3pPr marL="685800" indent="0">
+            <a:lvl3pPr marL="685834" indent="0">
               <a:buNone/>
               <a:defRPr sz="1350">
                 <a:solidFill>
@@ -1368,7 +1373,7 @@
                 </a:solidFill>
               </a:defRPr>
             </a:lvl3pPr>
-            <a:lvl4pPr marL="1028700" indent="0">
+            <a:lvl4pPr marL="1028751" indent="0">
               <a:buNone/>
               <a:defRPr sz="1200">
                 <a:solidFill>
@@ -1378,7 +1383,7 @@
                 </a:solidFill>
               </a:defRPr>
             </a:lvl4pPr>
-            <a:lvl5pPr marL="1371600" indent="0">
+            <a:lvl5pPr marL="1371668" indent="0">
               <a:buNone/>
               <a:defRPr sz="1200">
                 <a:solidFill>
@@ -1388,7 +1393,7 @@
                 </a:solidFill>
               </a:defRPr>
             </a:lvl5pPr>
-            <a:lvl6pPr marL="1714500" indent="0">
+            <a:lvl6pPr marL="1714584" indent="0">
               <a:buNone/>
               <a:defRPr sz="1200">
                 <a:solidFill>
@@ -1398,7 +1403,7 @@
                 </a:solidFill>
               </a:defRPr>
             </a:lvl6pPr>
-            <a:lvl7pPr marL="2057400" indent="0">
+            <a:lvl7pPr marL="2057503" indent="0">
               <a:buNone/>
               <a:defRPr sz="1200">
                 <a:solidFill>
@@ -1408,7 +1413,7 @@
                 </a:solidFill>
               </a:defRPr>
             </a:lvl7pPr>
-            <a:lvl8pPr marL="2400300" indent="0">
+            <a:lvl8pPr marL="2400418" indent="0">
               <a:buNone/>
               <a:defRPr sz="1200">
                 <a:solidFill>
@@ -1418,7 +1423,7 @@
                 </a:solidFill>
               </a:defRPr>
             </a:lvl8pPr>
-            <a:lvl9pPr marL="2743200" indent="0">
+            <a:lvl9pPr marL="2743335" indent="0">
               <a:buNone/>
               <a:defRPr sz="1200">
                 <a:solidFill>
@@ -1455,7 +1460,7 @@
           <a:p>
             <a:fld id="{FFCA3A82-EC32-4B49-BF0B-8FC2564EDB60}" type="datetimeFigureOut">
               <a:rPr lang="en-US" smtClean="0"/>
-              <a:t>9/15/2017</a:t>
+              <a:t>9/19/2017</a:t>
             </a:fld>
             <a:endParaRPr lang="en-US"/>
           </a:p>
@@ -1687,7 +1692,7 @@
           <a:p>
             <a:fld id="{FFCA3A82-EC32-4B49-BF0B-8FC2564EDB60}" type="datetimeFigureOut">
               <a:rPr lang="en-US" smtClean="0"/>
-              <a:t>9/15/2017</a:t>
+              <a:t>9/19/2017</a:t>
             </a:fld>
             <a:endParaRPr lang="en-US"/>
           </a:p>
@@ -1777,7 +1782,7 @@
         </p:nvSpPr>
         <p:spPr>
           <a:xfrm>
-            <a:off x="472381" y="527405"/>
+            <a:off x="472381" y="527406"/>
             <a:ext cx="5915025" cy="1914702"/>
           </a:xfrm>
         </p:spPr>
@@ -1805,7 +1810,7 @@
         </p:nvSpPr>
         <p:spPr>
           <a:xfrm>
-            <a:off x="472381" y="2428347"/>
+            <a:off x="472381" y="2428350"/>
             <a:ext cx="2901255" cy="1190095"/>
           </a:xfrm>
         </p:spPr>
@@ -1816,35 +1821,35 @@
               <a:buNone/>
               <a:defRPr sz="1800" b="1"/>
             </a:lvl1pPr>
-            <a:lvl2pPr marL="342900" indent="0">
+            <a:lvl2pPr marL="342917" indent="0">
               <a:buNone/>
               <a:defRPr sz="1500" b="1"/>
             </a:lvl2pPr>
-            <a:lvl3pPr marL="685800" indent="0">
+            <a:lvl3pPr marL="685834" indent="0">
               <a:buNone/>
               <a:defRPr sz="1350" b="1"/>
             </a:lvl3pPr>
-            <a:lvl4pPr marL="1028700" indent="0">
+            <a:lvl4pPr marL="1028751" indent="0">
               <a:buNone/>
               <a:defRPr sz="1200" b="1"/>
             </a:lvl4pPr>
-            <a:lvl5pPr marL="1371600" indent="0">
+            <a:lvl5pPr marL="1371668" indent="0">
               <a:buNone/>
               <a:defRPr sz="1200" b="1"/>
             </a:lvl5pPr>
-            <a:lvl6pPr marL="1714500" indent="0">
+            <a:lvl6pPr marL="1714584" indent="0">
               <a:buNone/>
               <a:defRPr sz="1200" b="1"/>
             </a:lvl6pPr>
-            <a:lvl7pPr marL="2057400" indent="0">
+            <a:lvl7pPr marL="2057503" indent="0">
               <a:buNone/>
               <a:defRPr sz="1200" b="1"/>
             </a:lvl7pPr>
-            <a:lvl8pPr marL="2400300" indent="0">
+            <a:lvl8pPr marL="2400418" indent="0">
               <a:buNone/>
               <a:defRPr sz="1200" b="1"/>
             </a:lvl8pPr>
-            <a:lvl9pPr marL="2743200" indent="0">
+            <a:lvl9pPr marL="2743335" indent="0">
               <a:buNone/>
               <a:defRPr sz="1200" b="1"/>
             </a:lvl9pPr>
@@ -1870,7 +1875,7 @@
         </p:nvSpPr>
         <p:spPr>
           <a:xfrm>
-            <a:off x="472381" y="3618442"/>
+            <a:off x="472381" y="3618445"/>
             <a:ext cx="2901255" cy="5322183"/>
           </a:xfrm>
         </p:spPr>
@@ -1927,7 +1932,7 @@
         </p:nvSpPr>
         <p:spPr>
           <a:xfrm>
-            <a:off x="3471863" y="2428347"/>
+            <a:off x="3471863" y="2428350"/>
             <a:ext cx="2915543" cy="1190095"/>
           </a:xfrm>
         </p:spPr>
@@ -1938,35 +1943,35 @@
               <a:buNone/>
               <a:defRPr sz="1800" b="1"/>
             </a:lvl1pPr>
-            <a:lvl2pPr marL="342900" indent="0">
+            <a:lvl2pPr marL="342917" indent="0">
               <a:buNone/>
               <a:defRPr sz="1500" b="1"/>
             </a:lvl2pPr>
-            <a:lvl3pPr marL="685800" indent="0">
+            <a:lvl3pPr marL="685834" indent="0">
               <a:buNone/>
               <a:defRPr sz="1350" b="1"/>
             </a:lvl3pPr>
-            <a:lvl4pPr marL="1028700" indent="0">
+            <a:lvl4pPr marL="1028751" indent="0">
               <a:buNone/>
               <a:defRPr sz="1200" b="1"/>
             </a:lvl4pPr>
-            <a:lvl5pPr marL="1371600" indent="0">
+            <a:lvl5pPr marL="1371668" indent="0">
               <a:buNone/>
               <a:defRPr sz="1200" b="1"/>
             </a:lvl5pPr>
-            <a:lvl6pPr marL="1714500" indent="0">
+            <a:lvl6pPr marL="1714584" indent="0">
               <a:buNone/>
               <a:defRPr sz="1200" b="1"/>
             </a:lvl6pPr>
-            <a:lvl7pPr marL="2057400" indent="0">
+            <a:lvl7pPr marL="2057503" indent="0">
               <a:buNone/>
               <a:defRPr sz="1200" b="1"/>
             </a:lvl7pPr>
-            <a:lvl8pPr marL="2400300" indent="0">
+            <a:lvl8pPr marL="2400418" indent="0">
               <a:buNone/>
               <a:defRPr sz="1200" b="1"/>
             </a:lvl8pPr>
-            <a:lvl9pPr marL="2743200" indent="0">
+            <a:lvl9pPr marL="2743335" indent="0">
               <a:buNone/>
               <a:defRPr sz="1200" b="1"/>
             </a:lvl9pPr>
@@ -1992,7 +1997,7 @@
         </p:nvSpPr>
         <p:spPr>
           <a:xfrm>
-            <a:off x="3471863" y="3618442"/>
+            <a:off x="3471863" y="3618445"/>
             <a:ext cx="2915543" cy="5322183"/>
           </a:xfrm>
         </p:spPr>
@@ -2054,7 +2059,7 @@
           <a:p>
             <a:fld id="{FFCA3A82-EC32-4B49-BF0B-8FC2564EDB60}" type="datetimeFigureOut">
               <a:rPr lang="en-US" smtClean="0"/>
-              <a:t>9/15/2017</a:t>
+              <a:t>9/19/2017</a:t>
             </a:fld>
             <a:endParaRPr lang="en-US"/>
           </a:p>
@@ -2172,7 +2177,7 @@
           <a:p>
             <a:fld id="{FFCA3A82-EC32-4B49-BF0B-8FC2564EDB60}" type="datetimeFigureOut">
               <a:rPr lang="en-US" smtClean="0"/>
-              <a:t>9/15/2017</a:t>
+              <a:t>9/19/2017</a:t>
             </a:fld>
             <a:endParaRPr lang="en-US"/>
           </a:p>
@@ -2267,7 +2272,7 @@
           <a:p>
             <a:fld id="{FFCA3A82-EC32-4B49-BF0B-8FC2564EDB60}" type="datetimeFigureOut">
               <a:rPr lang="en-US" smtClean="0"/>
-              <a:t>9/15/2017</a:t>
+              <a:t>9/19/2017</a:t>
             </a:fld>
             <a:endParaRPr lang="en-US"/>
           </a:p>
@@ -2389,7 +2394,7 @@
         </p:nvSpPr>
         <p:spPr>
           <a:xfrm>
-            <a:off x="2915543" y="1426283"/>
+            <a:off x="2915545" y="1426286"/>
             <a:ext cx="3471863" cy="7039681"/>
           </a:xfrm>
         </p:spPr>
@@ -2474,7 +2479,7 @@
         </p:nvSpPr>
         <p:spPr>
           <a:xfrm>
-            <a:off x="472381" y="2971800"/>
+            <a:off x="472381" y="2971803"/>
             <a:ext cx="2211884" cy="5505627"/>
           </a:xfrm>
         </p:spPr>
@@ -2485,35 +2490,35 @@
               <a:buNone/>
               <a:defRPr sz="1200"/>
             </a:lvl1pPr>
-            <a:lvl2pPr marL="342900" indent="0">
+            <a:lvl2pPr marL="342917" indent="0">
               <a:buNone/>
               <a:defRPr sz="1050"/>
             </a:lvl2pPr>
-            <a:lvl3pPr marL="685800" indent="0">
+            <a:lvl3pPr marL="685834" indent="0">
               <a:buNone/>
               <a:defRPr sz="900"/>
             </a:lvl3pPr>
-            <a:lvl4pPr marL="1028700" indent="0">
+            <a:lvl4pPr marL="1028751" indent="0">
               <a:buNone/>
               <a:defRPr sz="750"/>
             </a:lvl4pPr>
-            <a:lvl5pPr marL="1371600" indent="0">
+            <a:lvl5pPr marL="1371668" indent="0">
               <a:buNone/>
               <a:defRPr sz="750"/>
             </a:lvl5pPr>
-            <a:lvl6pPr marL="1714500" indent="0">
+            <a:lvl6pPr marL="1714584" indent="0">
               <a:buNone/>
               <a:defRPr sz="750"/>
             </a:lvl6pPr>
-            <a:lvl7pPr marL="2057400" indent="0">
+            <a:lvl7pPr marL="2057503" indent="0">
               <a:buNone/>
               <a:defRPr sz="750"/>
             </a:lvl7pPr>
-            <a:lvl8pPr marL="2400300" indent="0">
+            <a:lvl8pPr marL="2400418" indent="0">
               <a:buNone/>
               <a:defRPr sz="750"/>
             </a:lvl8pPr>
-            <a:lvl9pPr marL="2743200" indent="0">
+            <a:lvl9pPr marL="2743335" indent="0">
               <a:buNone/>
               <a:defRPr sz="750"/>
             </a:lvl9pPr>
@@ -2544,7 +2549,7 @@
           <a:p>
             <a:fld id="{FFCA3A82-EC32-4B49-BF0B-8FC2564EDB60}" type="datetimeFigureOut">
               <a:rPr lang="en-US" smtClean="0"/>
-              <a:t>9/15/2017</a:t>
+              <a:t>9/19/2017</a:t>
             </a:fld>
             <a:endParaRPr lang="en-US"/>
           </a:p>
@@ -2666,7 +2671,7 @@
         </p:nvSpPr>
         <p:spPr>
           <a:xfrm>
-            <a:off x="2915543" y="1426283"/>
+            <a:off x="2915545" y="1426286"/>
             <a:ext cx="3471863" cy="7039681"/>
           </a:xfrm>
         </p:spPr>
@@ -2677,35 +2682,35 @@
               <a:buNone/>
               <a:defRPr sz="2400"/>
             </a:lvl1pPr>
-            <a:lvl2pPr marL="342900" indent="0">
+            <a:lvl2pPr marL="342917" indent="0">
               <a:buNone/>
               <a:defRPr sz="2100"/>
             </a:lvl2pPr>
-            <a:lvl3pPr marL="685800" indent="0">
+            <a:lvl3pPr marL="685834" indent="0">
               <a:buNone/>
               <a:defRPr sz="1800"/>
             </a:lvl3pPr>
-            <a:lvl4pPr marL="1028700" indent="0">
+            <a:lvl4pPr marL="1028751" indent="0">
               <a:buNone/>
               <a:defRPr sz="1500"/>
             </a:lvl4pPr>
-            <a:lvl5pPr marL="1371600" indent="0">
+            <a:lvl5pPr marL="1371668" indent="0">
               <a:buNone/>
               <a:defRPr sz="1500"/>
             </a:lvl5pPr>
-            <a:lvl6pPr marL="1714500" indent="0">
+            <a:lvl6pPr marL="1714584" indent="0">
               <a:buNone/>
               <a:defRPr sz="1500"/>
             </a:lvl6pPr>
-            <a:lvl7pPr marL="2057400" indent="0">
+            <a:lvl7pPr marL="2057503" indent="0">
               <a:buNone/>
               <a:defRPr sz="1500"/>
             </a:lvl7pPr>
-            <a:lvl8pPr marL="2400300" indent="0">
+            <a:lvl8pPr marL="2400418" indent="0">
               <a:buNone/>
               <a:defRPr sz="1500"/>
             </a:lvl8pPr>
-            <a:lvl9pPr marL="2743200" indent="0">
+            <a:lvl9pPr marL="2743335" indent="0">
               <a:buNone/>
               <a:defRPr sz="1500"/>
             </a:lvl9pPr>
@@ -2731,7 +2736,7 @@
         </p:nvSpPr>
         <p:spPr>
           <a:xfrm>
-            <a:off x="472381" y="2971800"/>
+            <a:off x="472381" y="2971803"/>
             <a:ext cx="2211884" cy="5505627"/>
           </a:xfrm>
         </p:spPr>
@@ -2742,35 +2747,35 @@
               <a:buNone/>
               <a:defRPr sz="1200"/>
             </a:lvl1pPr>
-            <a:lvl2pPr marL="342900" indent="0">
+            <a:lvl2pPr marL="342917" indent="0">
               <a:buNone/>
               <a:defRPr sz="1050"/>
             </a:lvl2pPr>
-            <a:lvl3pPr marL="685800" indent="0">
+            <a:lvl3pPr marL="685834" indent="0">
               <a:buNone/>
               <a:defRPr sz="900"/>
             </a:lvl3pPr>
-            <a:lvl4pPr marL="1028700" indent="0">
+            <a:lvl4pPr marL="1028751" indent="0">
               <a:buNone/>
               <a:defRPr sz="750"/>
             </a:lvl4pPr>
-            <a:lvl5pPr marL="1371600" indent="0">
+            <a:lvl5pPr marL="1371668" indent="0">
               <a:buNone/>
               <a:defRPr sz="750"/>
             </a:lvl5pPr>
-            <a:lvl6pPr marL="1714500" indent="0">
+            <a:lvl6pPr marL="1714584" indent="0">
               <a:buNone/>
               <a:defRPr sz="750"/>
             </a:lvl6pPr>
-            <a:lvl7pPr marL="2057400" indent="0">
+            <a:lvl7pPr marL="2057503" indent="0">
               <a:buNone/>
               <a:defRPr sz="750"/>
             </a:lvl7pPr>
-            <a:lvl8pPr marL="2400300" indent="0">
+            <a:lvl8pPr marL="2400418" indent="0">
               <a:buNone/>
               <a:defRPr sz="750"/>
             </a:lvl8pPr>
-            <a:lvl9pPr marL="2743200" indent="0">
+            <a:lvl9pPr marL="2743335" indent="0">
               <a:buNone/>
               <a:defRPr sz="750"/>
             </a:lvl9pPr>
@@ -2801,7 +2806,7 @@
           <a:p>
             <a:fld id="{FFCA3A82-EC32-4B49-BF0B-8FC2564EDB60}" type="datetimeFigureOut">
               <a:rPr lang="en-US" smtClean="0"/>
-              <a:t>9/15/2017</a:t>
+              <a:t>9/19/2017</a:t>
             </a:fld>
             <a:endParaRPr lang="en-US"/>
           </a:p>
@@ -2896,7 +2901,7 @@
         </p:nvSpPr>
         <p:spPr>
           <a:xfrm>
-            <a:off x="471488" y="527405"/>
+            <a:off x="471488" y="527406"/>
             <a:ext cx="5915025" cy="1914702"/>
           </a:xfrm>
           <a:prstGeom prst="rect">
@@ -2991,7 +2996,7 @@
         </p:nvSpPr>
         <p:spPr>
           <a:xfrm>
-            <a:off x="471488" y="9181397"/>
+            <a:off x="471488" y="9181400"/>
             <a:ext cx="1543050" cy="527403"/>
           </a:xfrm>
           <a:prstGeom prst="rect">
@@ -3014,7 +3019,7 @@
           <a:p>
             <a:fld id="{FFCA3A82-EC32-4B49-BF0B-8FC2564EDB60}" type="datetimeFigureOut">
               <a:rPr lang="en-US" smtClean="0"/>
-              <a:t>9/15/2017</a:t>
+              <a:t>9/19/2017</a:t>
             </a:fld>
             <a:endParaRPr lang="en-US"/>
           </a:p>
@@ -3032,7 +3037,7 @@
         </p:nvSpPr>
         <p:spPr>
           <a:xfrm>
-            <a:off x="2271713" y="9181397"/>
+            <a:off x="2271713" y="9181400"/>
             <a:ext cx="2314575" cy="527403"/>
           </a:xfrm>
           <a:prstGeom prst="rect">
@@ -3069,7 +3074,7 @@
         </p:nvSpPr>
         <p:spPr>
           <a:xfrm>
-            <a:off x="4843463" y="9181397"/>
+            <a:off x="4843463" y="9181400"/>
             <a:ext cx="1543050" cy="527403"/>
           </a:xfrm>
           <a:prstGeom prst="rect">
@@ -3121,7 +3126,7 @@
   </p:sldLayoutIdLst>
   <p:txStyles>
     <p:titleStyle>
-      <a:lvl1pPr algn="l" defTabSz="685800" rtl="0" eaLnBrk="1" latinLnBrk="0" hangingPunct="1">
+      <a:lvl1pPr algn="l" defTabSz="685834" rtl="0" eaLnBrk="1" latinLnBrk="0" hangingPunct="1">
         <a:lnSpc>
           <a:spcPct val="90000"/>
         </a:lnSpc>
@@ -3140,7 +3145,7 @@
       </a:lvl1pPr>
     </p:titleStyle>
     <p:bodyStyle>
-      <a:lvl1pPr marL="171450" indent="-171450" algn="l" defTabSz="685800" rtl="0" eaLnBrk="1" latinLnBrk="0" hangingPunct="1">
+      <a:lvl1pPr marL="171458" indent="-171458" algn="l" defTabSz="685834" rtl="0" eaLnBrk="1" latinLnBrk="0" hangingPunct="1">
         <a:lnSpc>
           <a:spcPct val="90000"/>
         </a:lnSpc>
@@ -3158,12 +3163,12 @@
           <a:cs typeface="+mn-cs"/>
         </a:defRPr>
       </a:lvl1pPr>
-      <a:lvl2pPr marL="514350" indent="-171450" algn="l" defTabSz="685800" rtl="0" eaLnBrk="1" latinLnBrk="0" hangingPunct="1">
+      <a:lvl2pPr marL="514375" indent="-171458" algn="l" defTabSz="685834" rtl="0" eaLnBrk="1" latinLnBrk="0" hangingPunct="1">
         <a:lnSpc>
           <a:spcPct val="90000"/>
         </a:lnSpc>
         <a:spcBef>
-          <a:spcPts val="375"/>
+          <a:spcPts val="376"/>
         </a:spcBef>
         <a:buFont typeface="Arial" panose="020B0604020202020204" pitchFamily="34" charset="0"/>
         <a:buChar char="•"/>
@@ -3176,12 +3181,12 @@
           <a:cs typeface="+mn-cs"/>
         </a:defRPr>
       </a:lvl2pPr>
-      <a:lvl3pPr marL="857250" indent="-171450" algn="l" defTabSz="685800" rtl="0" eaLnBrk="1" latinLnBrk="0" hangingPunct="1">
+      <a:lvl3pPr marL="857292" indent="-171458" algn="l" defTabSz="685834" rtl="0" eaLnBrk="1" latinLnBrk="0" hangingPunct="1">
         <a:lnSpc>
           <a:spcPct val="90000"/>
         </a:lnSpc>
         <a:spcBef>
-          <a:spcPts val="375"/>
+          <a:spcPts val="376"/>
         </a:spcBef>
         <a:buFont typeface="Arial" panose="020B0604020202020204" pitchFamily="34" charset="0"/>
         <a:buChar char="•"/>
@@ -3194,12 +3199,12 @@
           <a:cs typeface="+mn-cs"/>
         </a:defRPr>
       </a:lvl3pPr>
-      <a:lvl4pPr marL="1200150" indent="-171450" algn="l" defTabSz="685800" rtl="0" eaLnBrk="1" latinLnBrk="0" hangingPunct="1">
+      <a:lvl4pPr marL="1200209" indent="-171458" algn="l" defTabSz="685834" rtl="0" eaLnBrk="1" latinLnBrk="0" hangingPunct="1">
         <a:lnSpc>
           <a:spcPct val="90000"/>
         </a:lnSpc>
         <a:spcBef>
-          <a:spcPts val="375"/>
+          <a:spcPts val="376"/>
         </a:spcBef>
         <a:buFont typeface="Arial" panose="020B0604020202020204" pitchFamily="34" charset="0"/>
         <a:buChar char="•"/>
@@ -3212,12 +3217,12 @@
           <a:cs typeface="+mn-cs"/>
         </a:defRPr>
       </a:lvl4pPr>
-      <a:lvl5pPr marL="1543050" indent="-171450" algn="l" defTabSz="685800" rtl="0" eaLnBrk="1" latinLnBrk="0" hangingPunct="1">
+      <a:lvl5pPr marL="1543126" indent="-171458" algn="l" defTabSz="685834" rtl="0" eaLnBrk="1" latinLnBrk="0" hangingPunct="1">
         <a:lnSpc>
           <a:spcPct val="90000"/>
         </a:lnSpc>
         <a:spcBef>
-          <a:spcPts val="375"/>
+          <a:spcPts val="376"/>
         </a:spcBef>
         <a:buFont typeface="Arial" panose="020B0604020202020204" pitchFamily="34" charset="0"/>
         <a:buChar char="•"/>
@@ -3230,12 +3235,12 @@
           <a:cs typeface="+mn-cs"/>
         </a:defRPr>
       </a:lvl5pPr>
-      <a:lvl6pPr marL="1885950" indent="-171450" algn="l" defTabSz="685800" rtl="0" eaLnBrk="1" latinLnBrk="0" hangingPunct="1">
+      <a:lvl6pPr marL="1886043" indent="-171458" algn="l" defTabSz="685834" rtl="0" eaLnBrk="1" latinLnBrk="0" hangingPunct="1">
         <a:lnSpc>
           <a:spcPct val="90000"/>
         </a:lnSpc>
         <a:spcBef>
-          <a:spcPts val="375"/>
+          <a:spcPts val="376"/>
         </a:spcBef>
         <a:buFont typeface="Arial" panose="020B0604020202020204" pitchFamily="34" charset="0"/>
         <a:buChar char="•"/>
@@ -3248,12 +3253,12 @@
           <a:cs typeface="+mn-cs"/>
         </a:defRPr>
       </a:lvl6pPr>
-      <a:lvl7pPr marL="2228850" indent="-171450" algn="l" defTabSz="685800" rtl="0" eaLnBrk="1" latinLnBrk="0" hangingPunct="1">
+      <a:lvl7pPr marL="2228960" indent="-171458" algn="l" defTabSz="685834" rtl="0" eaLnBrk="1" latinLnBrk="0" hangingPunct="1">
         <a:lnSpc>
           <a:spcPct val="90000"/>
         </a:lnSpc>
         <a:spcBef>
-          <a:spcPts val="375"/>
+          <a:spcPts val="376"/>
         </a:spcBef>
         <a:buFont typeface="Arial" panose="020B0604020202020204" pitchFamily="34" charset="0"/>
         <a:buChar char="•"/>
@@ -3266,12 +3271,12 @@
           <a:cs typeface="+mn-cs"/>
         </a:defRPr>
       </a:lvl7pPr>
-      <a:lvl8pPr marL="2571750" indent="-171450" algn="l" defTabSz="685800" rtl="0" eaLnBrk="1" latinLnBrk="0" hangingPunct="1">
+      <a:lvl8pPr marL="2571877" indent="-171458" algn="l" defTabSz="685834" rtl="0" eaLnBrk="1" latinLnBrk="0" hangingPunct="1">
         <a:lnSpc>
           <a:spcPct val="90000"/>
         </a:lnSpc>
         <a:spcBef>
-          <a:spcPts val="375"/>
+          <a:spcPts val="376"/>
         </a:spcBef>
         <a:buFont typeface="Arial" panose="020B0604020202020204" pitchFamily="34" charset="0"/>
         <a:buChar char="•"/>
@@ -3284,12 +3289,12 @@
           <a:cs typeface="+mn-cs"/>
         </a:defRPr>
       </a:lvl8pPr>
-      <a:lvl9pPr marL="2914650" indent="-171450" algn="l" defTabSz="685800" rtl="0" eaLnBrk="1" latinLnBrk="0" hangingPunct="1">
+      <a:lvl9pPr marL="2914793" indent="-171458" algn="l" defTabSz="685834" rtl="0" eaLnBrk="1" latinLnBrk="0" hangingPunct="1">
         <a:lnSpc>
           <a:spcPct val="90000"/>
         </a:lnSpc>
         <a:spcBef>
-          <a:spcPts val="375"/>
+          <a:spcPts val="376"/>
         </a:spcBef>
         <a:buFont typeface="Arial" panose="020B0604020202020204" pitchFamily="34" charset="0"/>
         <a:buChar char="•"/>
@@ -3307,7 +3312,7 @@
       <a:defPPr>
         <a:defRPr lang="en-US"/>
       </a:defPPr>
-      <a:lvl1pPr marL="0" algn="l" defTabSz="685800" rtl="0" eaLnBrk="1" latinLnBrk="0" hangingPunct="1">
+      <a:lvl1pPr marL="0" algn="l" defTabSz="685834" rtl="0" eaLnBrk="1" latinLnBrk="0" hangingPunct="1">
         <a:defRPr sz="1350" kern="1200">
           <a:solidFill>
             <a:schemeClr val="tx1"/>
@@ -3317,7 +3322,7 @@
           <a:cs typeface="+mn-cs"/>
         </a:defRPr>
       </a:lvl1pPr>
-      <a:lvl2pPr marL="342900" algn="l" defTabSz="685800" rtl="0" eaLnBrk="1" latinLnBrk="0" hangingPunct="1">
+      <a:lvl2pPr marL="342917" algn="l" defTabSz="685834" rtl="0" eaLnBrk="1" latinLnBrk="0" hangingPunct="1">
         <a:defRPr sz="1350" kern="1200">
           <a:solidFill>
             <a:schemeClr val="tx1"/>
@@ -3327,7 +3332,7 @@
           <a:cs typeface="+mn-cs"/>
         </a:defRPr>
       </a:lvl2pPr>
-      <a:lvl3pPr marL="685800" algn="l" defTabSz="685800" rtl="0" eaLnBrk="1" latinLnBrk="0" hangingPunct="1">
+      <a:lvl3pPr marL="685834" algn="l" defTabSz="685834" rtl="0" eaLnBrk="1" latinLnBrk="0" hangingPunct="1">
         <a:defRPr sz="1350" kern="1200">
           <a:solidFill>
             <a:schemeClr val="tx1"/>
@@ -3337,7 +3342,7 @@
           <a:cs typeface="+mn-cs"/>
         </a:defRPr>
       </a:lvl3pPr>
-      <a:lvl4pPr marL="1028700" algn="l" defTabSz="685800" rtl="0" eaLnBrk="1" latinLnBrk="0" hangingPunct="1">
+      <a:lvl4pPr marL="1028751" algn="l" defTabSz="685834" rtl="0" eaLnBrk="1" latinLnBrk="0" hangingPunct="1">
         <a:defRPr sz="1350" kern="1200">
           <a:solidFill>
             <a:schemeClr val="tx1"/>
@@ -3347,7 +3352,7 @@
           <a:cs typeface="+mn-cs"/>
         </a:defRPr>
       </a:lvl4pPr>
-      <a:lvl5pPr marL="1371600" algn="l" defTabSz="685800" rtl="0" eaLnBrk="1" latinLnBrk="0" hangingPunct="1">
+      <a:lvl5pPr marL="1371668" algn="l" defTabSz="685834" rtl="0" eaLnBrk="1" latinLnBrk="0" hangingPunct="1">
         <a:defRPr sz="1350" kern="1200">
           <a:solidFill>
             <a:schemeClr val="tx1"/>
@@ -3357,7 +3362,7 @@
           <a:cs typeface="+mn-cs"/>
         </a:defRPr>
       </a:lvl5pPr>
-      <a:lvl6pPr marL="1714500" algn="l" defTabSz="685800" rtl="0" eaLnBrk="1" latinLnBrk="0" hangingPunct="1">
+      <a:lvl6pPr marL="1714584" algn="l" defTabSz="685834" rtl="0" eaLnBrk="1" latinLnBrk="0" hangingPunct="1">
         <a:defRPr sz="1350" kern="1200">
           <a:solidFill>
             <a:schemeClr val="tx1"/>
@@ -3367,7 +3372,7 @@
           <a:cs typeface="+mn-cs"/>
         </a:defRPr>
       </a:lvl6pPr>
-      <a:lvl7pPr marL="2057400" algn="l" defTabSz="685800" rtl="0" eaLnBrk="1" latinLnBrk="0" hangingPunct="1">
+      <a:lvl7pPr marL="2057503" algn="l" defTabSz="685834" rtl="0" eaLnBrk="1" latinLnBrk="0" hangingPunct="1">
         <a:defRPr sz="1350" kern="1200">
           <a:solidFill>
             <a:schemeClr val="tx1"/>
@@ -3377,7 +3382,7 @@
           <a:cs typeface="+mn-cs"/>
         </a:defRPr>
       </a:lvl7pPr>
-      <a:lvl8pPr marL="2400300" algn="l" defTabSz="685800" rtl="0" eaLnBrk="1" latinLnBrk="0" hangingPunct="1">
+      <a:lvl8pPr marL="2400418" algn="l" defTabSz="685834" rtl="0" eaLnBrk="1" latinLnBrk="0" hangingPunct="1">
         <a:defRPr sz="1350" kern="1200">
           <a:solidFill>
             <a:schemeClr val="tx1"/>
@@ -3387,7 +3392,7 @@
           <a:cs typeface="+mn-cs"/>
         </a:defRPr>
       </a:lvl8pPr>
-      <a:lvl9pPr marL="2743200" algn="l" defTabSz="685800" rtl="0" eaLnBrk="1" latinLnBrk="0" hangingPunct="1">
+      <a:lvl9pPr marL="2743335" algn="l" defTabSz="685834" rtl="0" eaLnBrk="1" latinLnBrk="0" hangingPunct="1">
         <a:defRPr sz="1350" kern="1200">
           <a:solidFill>
             <a:schemeClr val="tx1"/>
@@ -3464,7 +3469,7 @@
         </p:nvSpPr>
         <p:spPr>
           <a:xfrm>
-            <a:off x="2129277" y="3611421"/>
+            <a:off x="2129280" y="3611421"/>
             <a:ext cx="2066711" cy="457200"/>
           </a:xfrm>
           <a:prstGeom prst="rightArrow">
@@ -3519,7 +3524,7 @@
         </p:nvSpPr>
         <p:spPr>
           <a:xfrm>
-            <a:off x="737834" y="2940021"/>
+            <a:off x="737834" y="2940022"/>
             <a:ext cx="1332000" cy="1800000"/>
           </a:xfrm>
           <a:prstGeom prst="rect">
@@ -3558,7 +3563,7 @@
           <a:p>
             <a:pPr algn="ctr"/>
             <a:r>
-              <a:rPr lang="en-US" sz="1600" dirty="0" smtClean="0">
+              <a:rPr lang="en-US" sz="1600" dirty="0">
                 <a:latin typeface="Helvetica" pitchFamily="2" charset="0"/>
                 <a:ea typeface="Open Sans" panose="020B0606030504020204" pitchFamily="34" charset="0"/>
                 <a:cs typeface="Open Sans" panose="020B0606030504020204" pitchFamily="34" charset="0"/>
@@ -3581,8 +3586,8 @@
         </p:nvSpPr>
         <p:spPr>
           <a:xfrm>
-            <a:off x="4251006" y="3121531"/>
-            <a:ext cx="1332000" cy="1440000"/>
+            <a:off x="4251005" y="3121532"/>
+            <a:ext cx="1332000" cy="1439999"/>
           </a:xfrm>
           <a:prstGeom prst="rect">
             <a:avLst/>
@@ -3619,7 +3624,7 @@
           <a:p>
             <a:pPr algn="ctr"/>
             <a:r>
-              <a:rPr lang="en-US" sz="1600" dirty="0" smtClean="0">
+              <a:rPr lang="en-US" sz="1600" dirty="0">
                 <a:solidFill>
                   <a:schemeClr val="tx1"/>
                 </a:solidFill>
@@ -3648,8 +3653,8 @@
         </p:nvSpPr>
         <p:spPr>
           <a:xfrm>
-            <a:off x="2124851" y="3709216"/>
-            <a:ext cx="2071135" cy="261610"/>
+            <a:off x="2124852" y="3709216"/>
+            <a:ext cx="2071135" cy="261482"/>
           </a:xfrm>
           <a:prstGeom prst="rect">
             <a:avLst/>
@@ -3664,7 +3669,7 @@
           <a:p>
             <a:pPr algn="ctr"/>
             <a:r>
-              <a:rPr lang="en-US" sz="1100" i="1" dirty="0" smtClean="0">
+              <a:rPr lang="en-US" sz="1099" i="1" dirty="0">
                 <a:solidFill>
                   <a:schemeClr val="bg1"/>
                 </a:solidFill>
@@ -3674,7 +3679,7 @@
               </a:rPr>
               <a:t>Memory encoding</a:t>
             </a:r>
-            <a:endParaRPr lang="en-US" sz="1100" i="1" dirty="0">
+            <a:endParaRPr lang="en-US" sz="1099" i="1" dirty="0">
               <a:solidFill>
                 <a:schemeClr val="bg1"/>
               </a:solidFill>
@@ -3693,8 +3698,8 @@
         </p:nvCxnSpPr>
         <p:spPr>
           <a:xfrm flipV="1">
-            <a:off x="1092282" y="4890052"/>
-            <a:ext cx="0" cy="360000"/>
+            <a:off x="1092282" y="4890053"/>
+            <a:ext cx="0" cy="360001"/>
           </a:xfrm>
           <a:prstGeom prst="straightConnector1">
             <a:avLst/>
@@ -3726,8 +3731,8 @@
         </p:nvSpPr>
         <p:spPr>
           <a:xfrm>
-            <a:off x="299103" y="5270767"/>
-            <a:ext cx="1761472" cy="677108"/>
+            <a:off x="299102" y="5270769"/>
+            <a:ext cx="1761472" cy="676980"/>
           </a:xfrm>
           <a:prstGeom prst="rect">
             <a:avLst/>
@@ -3742,7 +3747,7 @@
           <a:p>
             <a:pPr algn="just"/>
             <a:r>
-              <a:rPr lang="en-US" sz="1100" b="1" dirty="0" smtClean="0">
+              <a:rPr lang="en-US" sz="1099" b="1" dirty="0">
                 <a:latin typeface="Helvetica" pitchFamily="2" charset="0"/>
                 <a:ea typeface="Open Sans" panose="020B0606030504020204" pitchFamily="34" charset="0"/>
                 <a:cs typeface="Open Sans" panose="020B0606030504020204" pitchFamily="34" charset="0"/>
@@ -3753,7 +3758,7 @@
           <a:p>
             <a:pPr algn="just"/>
             <a:r>
-              <a:rPr lang="en-US" sz="900" dirty="0" smtClean="0">
+              <a:rPr lang="en-US" sz="900" dirty="0">
                 <a:latin typeface="Helvetica" pitchFamily="2" charset="0"/>
                 <a:ea typeface="Open Sans" panose="020B0606030504020204" pitchFamily="34" charset="0"/>
                 <a:cs typeface="Open Sans" panose="020B0606030504020204" pitchFamily="34" charset="0"/>
@@ -3776,8 +3781,8 @@
         </p:nvCxnSpPr>
         <p:spPr>
           <a:xfrm>
-            <a:off x="1135012" y="2455266"/>
-            <a:ext cx="0" cy="360000"/>
+            <a:off x="1135012" y="2455267"/>
+            <a:ext cx="0" cy="360001"/>
           </a:xfrm>
           <a:prstGeom prst="straightConnector1">
             <a:avLst/>
@@ -3809,8 +3814,8 @@
         </p:nvSpPr>
         <p:spPr>
           <a:xfrm>
-            <a:off x="301271" y="1614845"/>
-            <a:ext cx="1768563" cy="815608"/>
+            <a:off x="301271" y="1614846"/>
+            <a:ext cx="1768563" cy="815480"/>
           </a:xfrm>
           <a:prstGeom prst="rect">
             <a:avLst/>
@@ -3825,7 +3830,7 @@
           <a:p>
             <a:pPr algn="just"/>
             <a:r>
-              <a:rPr lang="en-US" sz="1100" b="1" dirty="0" smtClean="0">
+              <a:rPr lang="en-US" sz="1099" b="1" dirty="0">
                 <a:latin typeface="Helvetica" pitchFamily="2" charset="0"/>
                 <a:ea typeface="Open Sans" panose="020B0606030504020204" pitchFamily="34" charset="0"/>
                 <a:cs typeface="Open Sans" panose="020B0606030504020204" pitchFamily="34" charset="0"/>
@@ -3836,7 +3841,7 @@
           <a:p>
             <a:pPr algn="just"/>
             <a:r>
-              <a:rPr lang="en-US" sz="900" dirty="0" smtClean="0">
+              <a:rPr lang="en-US" sz="900" dirty="0">
                 <a:latin typeface="Helvetica" pitchFamily="2" charset="0"/>
                 <a:ea typeface="Open Sans" panose="020B0606030504020204" pitchFamily="34" charset="0"/>
                 <a:cs typeface="Open Sans" panose="020B0606030504020204" pitchFamily="34" charset="0"/>
@@ -3852,7 +3857,7 @@
               <a:t>that are not </a:t>
             </a:r>
             <a:r>
-              <a:rPr lang="en-US" sz="900" dirty="0" smtClean="0">
+              <a:rPr lang="en-US" sz="900" dirty="0">
                 <a:latin typeface="Helvetica" pitchFamily="2" charset="0"/>
                 <a:ea typeface="Open Sans" panose="020B0606030504020204" pitchFamily="34" charset="0"/>
                 <a:cs typeface="Open Sans" panose="020B0606030504020204" pitchFamily="34" charset="0"/>
@@ -3868,14 +3873,14 @@
               <a:t>be entirely repressed and therefore </a:t>
             </a:r>
             <a:r>
-              <a:rPr lang="en-US" sz="900" dirty="0" smtClean="0">
+              <a:rPr lang="en-US" sz="900" dirty="0">
                 <a:latin typeface="Helvetica" pitchFamily="2" charset="0"/>
                 <a:ea typeface="Open Sans" panose="020B0606030504020204" pitchFamily="34" charset="0"/>
                 <a:cs typeface="Open Sans" panose="020B0606030504020204" pitchFamily="34" charset="0"/>
               </a:rPr>
               <a:t>forgotten</a:t>
             </a:r>
-            <a:endParaRPr lang="en-US" sz="900" i="1" dirty="0" smtClean="0">
+            <a:endParaRPr lang="en-US" sz="900" i="1" dirty="0">
               <a:latin typeface="Helvetica" pitchFamily="2" charset="0"/>
               <a:ea typeface="Open Sans" panose="020B0606030504020204" pitchFamily="34" charset="0"/>
               <a:cs typeface="Open Sans" panose="020B0606030504020204" pitchFamily="34" charset="0"/>
@@ -3891,8 +3896,8 @@
         </p:nvCxnSpPr>
         <p:spPr>
           <a:xfrm>
-            <a:off x="3165791" y="3251421"/>
-            <a:ext cx="0" cy="360000"/>
+            <a:off x="3165790" y="3251421"/>
+            <a:ext cx="0" cy="360001"/>
           </a:xfrm>
           <a:prstGeom prst="straightConnector1">
             <a:avLst/>
@@ -3927,8 +3932,8 @@
         </p:nvSpPr>
         <p:spPr>
           <a:xfrm>
-            <a:off x="2290727" y="1705290"/>
-            <a:ext cx="1746000" cy="1554272"/>
+            <a:off x="2290726" y="1705292"/>
+            <a:ext cx="1746000" cy="1554015"/>
           </a:xfrm>
           <a:prstGeom prst="rect">
             <a:avLst/>
@@ -3947,7 +3952,7 @@
               </a:spcAft>
             </a:pPr>
             <a:r>
-              <a:rPr lang="en-US" sz="1100" b="1" dirty="0" smtClean="0">
+              <a:rPr lang="en-US" sz="1099" b="1" dirty="0">
                 <a:latin typeface="Helvetica" pitchFamily="2" charset="0"/>
                 <a:ea typeface="Open Sans" panose="020B0606030504020204" pitchFamily="34" charset="0"/>
                 <a:cs typeface="Open Sans" panose="020B0606030504020204" pitchFamily="34" charset="0"/>
@@ -3955,7 +3960,7 @@
               <a:t>Stage-shift hypothesis </a:t>
             </a:r>
             <a:r>
-              <a:rPr lang="en-US" sz="900" dirty="0" smtClean="0">
+              <a:rPr lang="en-US" sz="900" dirty="0">
                 <a:latin typeface="Helvetica" pitchFamily="2" charset="0"/>
                 <a:ea typeface="Open Sans" panose="020B0606030504020204" pitchFamily="34" charset="0"/>
                 <a:cs typeface="Open Sans" panose="020B0606030504020204" pitchFamily="34" charset="0"/>
@@ -3966,7 +3971,7 @@
           <a:p>
             <a:pPr algn="just"/>
             <a:r>
-              <a:rPr lang="en-US" sz="1100" b="1" dirty="0" smtClean="0">
+              <a:rPr lang="en-US" sz="1099" b="1" dirty="0">
                 <a:solidFill>
                   <a:srgbClr val="C00000"/>
                 </a:solidFill>
@@ -3980,7 +3985,7 @@
           <a:p>
             <a:pPr algn="just"/>
             <a:r>
-              <a:rPr lang="en-US" sz="900" dirty="0" smtClean="0">
+              <a:rPr lang="en-US" sz="900" dirty="0">
                 <a:latin typeface="Helvetica" pitchFamily="2" charset="0"/>
                 <a:ea typeface="Open Sans" panose="020B0606030504020204" pitchFamily="34" charset="0"/>
                 <a:cs typeface="Open Sans" panose="020B0606030504020204" pitchFamily="34" charset="0"/>
@@ -3998,8 +4003,8 @@
         </p:nvSpPr>
         <p:spPr>
           <a:xfrm>
-            <a:off x="4323393" y="5001144"/>
-            <a:ext cx="1786209" cy="1231106"/>
+            <a:off x="4323393" y="5001145"/>
+            <a:ext cx="1786209" cy="1230978"/>
           </a:xfrm>
           <a:prstGeom prst="rect">
             <a:avLst/>
@@ -4014,7 +4019,7 @@
           <a:p>
             <a:pPr algn="just"/>
             <a:r>
-              <a:rPr lang="en-US" sz="1100" b="1" dirty="0" smtClean="0">
+              <a:rPr lang="en-US" sz="1099" b="1" dirty="0">
                 <a:solidFill>
                   <a:srgbClr val="C00000"/>
                 </a:solidFill>
@@ -4028,7 +4033,7 @@
           <a:p>
             <a:pPr algn="just"/>
             <a:r>
-              <a:rPr lang="en-US" sz="900" dirty="0" smtClean="0">
+              <a:rPr lang="en-US" sz="900" dirty="0">
                 <a:latin typeface="Helvetica" pitchFamily="2" charset="0"/>
                 <a:ea typeface="Open Sans" panose="020B0606030504020204" pitchFamily="34" charset="0"/>
                 <a:cs typeface="Open Sans" panose="020B0606030504020204" pitchFamily="34" charset="0"/>
@@ -4037,11 +4042,11 @@
             </a:r>
           </a:p>
           <a:p>
-            <a:pPr marL="228600" indent="-228600" algn="just">
+            <a:pPr marL="228611" indent="-228611" algn="just">
               <a:buAutoNum type="arabicParenBoth"/>
             </a:pPr>
             <a:r>
-              <a:rPr lang="en-US" sz="900" dirty="0" smtClean="0">
+              <a:rPr lang="en-US" sz="900" dirty="0">
                 <a:latin typeface="Helvetica" pitchFamily="2" charset="0"/>
                 <a:ea typeface="Open Sans" panose="020B0606030504020204" pitchFamily="34" charset="0"/>
                 <a:cs typeface="Open Sans" panose="020B0606030504020204" pitchFamily="34" charset="0"/>
@@ -4057,7 +4062,7 @@
               <a:t>after </a:t>
             </a:r>
             <a:r>
-              <a:rPr lang="en-US" sz="900" dirty="0" smtClean="0">
+              <a:rPr lang="en-US" sz="900" dirty="0">
                 <a:latin typeface="Helvetica" pitchFamily="2" charset="0"/>
                 <a:ea typeface="Open Sans" panose="020B0606030504020204" pitchFamily="34" charset="0"/>
                 <a:cs typeface="Open Sans" panose="020B0606030504020204" pitchFamily="34" charset="0"/>
@@ -4066,11 +4071,11 @@
             </a:r>
           </a:p>
           <a:p>
-            <a:pPr marL="228600" indent="-228600" algn="just">
+            <a:pPr marL="228611" indent="-228611" algn="just">
               <a:buAutoNum type="arabicParenBoth"/>
             </a:pPr>
             <a:r>
-              <a:rPr lang="en-US" sz="900" dirty="0" smtClean="0">
+              <a:rPr lang="en-US" sz="900" dirty="0">
                 <a:latin typeface="Helvetica" pitchFamily="2" charset="0"/>
                 <a:ea typeface="Open Sans" panose="020B0606030504020204" pitchFamily="34" charset="0"/>
                 <a:cs typeface="Open Sans" panose="020B0606030504020204" pitchFamily="34" charset="0"/>
@@ -4079,11 +4084,11 @@
             </a:r>
           </a:p>
           <a:p>
-            <a:pPr marL="228600" indent="-228600" algn="just">
+            <a:pPr marL="228611" indent="-228611" algn="just">
               <a:buAutoNum type="arabicParenBoth"/>
             </a:pPr>
             <a:r>
-              <a:rPr lang="en-US" sz="900" dirty="0" smtClean="0">
+              <a:rPr lang="en-US" sz="900" dirty="0">
                 <a:latin typeface="Helvetica" pitchFamily="2" charset="0"/>
                 <a:ea typeface="Open Sans" panose="020B0606030504020204" pitchFamily="34" charset="0"/>
                 <a:cs typeface="Open Sans" panose="020B0606030504020204" pitchFamily="34" charset="0"/>
@@ -4101,8 +4106,8 @@
         </p:nvCxnSpPr>
         <p:spPr>
           <a:xfrm flipV="1">
-            <a:off x="3165791" y="4044015"/>
-            <a:ext cx="0" cy="360000"/>
+            <a:off x="3165790" y="4044015"/>
+            <a:ext cx="0" cy="360001"/>
           </a:xfrm>
           <a:prstGeom prst="straightConnector1">
             <a:avLst/>
@@ -4135,7 +4140,7 @@
         <p:spPr>
           <a:xfrm>
             <a:off x="2253819" y="4424730"/>
-            <a:ext cx="1800000" cy="1092607"/>
+            <a:ext cx="1800000" cy="1092479"/>
           </a:xfrm>
           <a:prstGeom prst="rect">
             <a:avLst/>
@@ -4150,7 +4155,7 @@
           <a:p>
             <a:pPr algn="just"/>
             <a:r>
-              <a:rPr lang="en-US" sz="1100" b="1" dirty="0" smtClean="0">
+              <a:rPr lang="en-US" sz="1099" b="1" dirty="0">
                 <a:latin typeface="Helvetica" pitchFamily="2" charset="0"/>
                 <a:ea typeface="Open Sans" panose="020B0606030504020204" pitchFamily="34" charset="0"/>
                 <a:cs typeface="Open Sans" panose="020B0606030504020204" pitchFamily="34" charset="0"/>
@@ -4161,7 +4166,7 @@
           <a:p>
             <a:pPr algn="just"/>
             <a:r>
-              <a:rPr lang="en-US" sz="900" dirty="0" smtClean="0">
+              <a:rPr lang="en-US" sz="900" dirty="0">
                 <a:latin typeface="Helvetica" pitchFamily="2" charset="0"/>
                 <a:ea typeface="Open Sans" panose="020B0606030504020204" pitchFamily="34" charset="0"/>
                 <a:cs typeface="Open Sans" panose="020B0606030504020204" pitchFamily="34" charset="0"/>
@@ -4177,7 +4182,7 @@
               <a:t>dream memory trace remains so long </a:t>
             </a:r>
             <a:r>
-              <a:rPr lang="en-US" sz="900" dirty="0" smtClean="0">
+              <a:rPr lang="en-US" sz="900" dirty="0">
                 <a:latin typeface="Helvetica" pitchFamily="2" charset="0"/>
                 <a:ea typeface="Open Sans" panose="020B0606030504020204" pitchFamily="34" charset="0"/>
                 <a:cs typeface="Open Sans" panose="020B0606030504020204" pitchFamily="34" charset="0"/>
@@ -4193,36 +4198,20 @@
               <a:t>is </a:t>
             </a:r>
             <a:r>
-              <a:rPr lang="en-US" sz="900" dirty="0" smtClean="0">
+              <a:rPr lang="en-US" sz="900" dirty="0">
                 <a:latin typeface="Helvetica" pitchFamily="2" charset="0"/>
                 <a:ea typeface="Open Sans" panose="020B0606030504020204" pitchFamily="34" charset="0"/>
                 <a:cs typeface="Open Sans" panose="020B0606030504020204" pitchFamily="34" charset="0"/>
               </a:rPr>
-              <a:t>interference (i.e. the dreamer </a:t>
-            </a:r>
-            <a:r>
-              <a:rPr lang="en-US" sz="900" smtClean="0">
+              <a:t>interference (i.e. </a:t>
+            </a:r>
+            <a:r>
+              <a:rPr lang="en-US" sz="900" dirty="0">
                 <a:latin typeface="Helvetica" pitchFamily="2" charset="0"/>
                 <a:ea typeface="Open Sans" panose="020B0606030504020204" pitchFamily="34" charset="0"/>
                 <a:cs typeface="Open Sans" panose="020B0606030504020204" pitchFamily="34" charset="0"/>
               </a:rPr>
-              <a:t>must </a:t>
-            </a:r>
-            <a:r>
-              <a:rPr lang="en-US" sz="900" smtClean="0">
-                <a:latin typeface="Helvetica" pitchFamily="2" charset="0"/>
-                <a:ea typeface="Open Sans" panose="020B0606030504020204" pitchFamily="34" charset="0"/>
-                <a:cs typeface="Open Sans" panose="020B0606030504020204" pitchFamily="34" charset="0"/>
-              </a:rPr>
-              <a:t>voluntarily </a:t>
-            </a:r>
-            <a:r>
-              <a:rPr lang="en-US" sz="900" dirty="0" smtClean="0">
-                <a:latin typeface="Helvetica" pitchFamily="2" charset="0"/>
-                <a:ea typeface="Open Sans" panose="020B0606030504020204" pitchFamily="34" charset="0"/>
-                <a:cs typeface="Open Sans" panose="020B0606030504020204" pitchFamily="34" charset="0"/>
-              </a:rPr>
-              <a:t>pay attention to the dream immediately after awakening</a:t>
+              <a:t>the dreamer must voluntarily pay attention to the dream immediately after awakening</a:t>
             </a:r>
             <a:r>
               <a:rPr lang="en-US" sz="900" dirty="0">
@@ -4243,8 +4232,8 @@
         </p:nvCxnSpPr>
         <p:spPr>
           <a:xfrm>
-            <a:off x="5305244" y="2694551"/>
-            <a:ext cx="0" cy="360000"/>
+            <a:off x="5305243" y="2694551"/>
+            <a:ext cx="0" cy="360001"/>
           </a:xfrm>
           <a:prstGeom prst="straightConnector1">
             <a:avLst/>
@@ -4276,8 +4265,8 @@
         </p:nvSpPr>
         <p:spPr>
           <a:xfrm>
-            <a:off x="4340485" y="1991737"/>
-            <a:ext cx="1752340" cy="677108"/>
+            <a:off x="4340484" y="1991739"/>
+            <a:ext cx="1752341" cy="676980"/>
           </a:xfrm>
           <a:prstGeom prst="rect">
             <a:avLst/>
@@ -4292,7 +4281,7 @@
           <a:p>
             <a:pPr algn="just"/>
             <a:r>
-              <a:rPr lang="en-US" sz="1100" b="1" dirty="0" smtClean="0">
+              <a:rPr lang="en-US" sz="1099" b="1" dirty="0">
                 <a:latin typeface="Helvetica" pitchFamily="2" charset="0"/>
                 <a:ea typeface="Open Sans" panose="020B0606030504020204" pitchFamily="34" charset="0"/>
                 <a:cs typeface="Open Sans" panose="020B0606030504020204" pitchFamily="34" charset="0"/>
@@ -4311,7 +4300,7 @@
               <a:t>Higher interest in dreams and </a:t>
             </a:r>
             <a:r>
-              <a:rPr lang="en-US" sz="900" dirty="0" smtClean="0">
+              <a:rPr lang="en-US" sz="900" dirty="0">
                 <a:latin typeface="Helvetica" pitchFamily="2" charset="0"/>
                 <a:ea typeface="Open Sans" panose="020B0606030504020204" pitchFamily="34" charset="0"/>
                 <a:cs typeface="Open Sans" panose="020B0606030504020204" pitchFamily="34" charset="0"/>
@@ -4327,7 +4316,7 @@
               <a:t>boundaries result in higher dream </a:t>
             </a:r>
             <a:r>
-              <a:rPr lang="en-US" sz="900" dirty="0" smtClean="0">
+              <a:rPr lang="en-US" sz="900" dirty="0">
                 <a:latin typeface="Helvetica" pitchFamily="2" charset="0"/>
                 <a:ea typeface="Open Sans" panose="020B0606030504020204" pitchFamily="34" charset="0"/>
                 <a:cs typeface="Open Sans" panose="020B0606030504020204" pitchFamily="34" charset="0"/>
@@ -4350,8 +4339,8 @@
         </p:nvCxnSpPr>
         <p:spPr>
           <a:xfrm flipV="1">
-            <a:off x="5296698" y="4628125"/>
-            <a:ext cx="0" cy="360000"/>
+            <a:off x="5296697" y="4628126"/>
+            <a:ext cx="0" cy="360001"/>
           </a:xfrm>
           <a:prstGeom prst="straightConnector1">
             <a:avLst/>
@@ -4383,8 +4372,8 @@
         </p:nvCxnSpPr>
         <p:spPr>
           <a:xfrm flipH="1" flipV="1">
-            <a:off x="3973795" y="5435125"/>
-            <a:ext cx="264009" cy="162370"/>
+            <a:off x="3973797" y="5435126"/>
+            <a:ext cx="264009" cy="162369"/>
           </a:xfrm>
           <a:prstGeom prst="straightConnector1">
             <a:avLst/>
@@ -4419,8 +4408,8 @@
         </p:nvCxnSpPr>
         <p:spPr>
           <a:xfrm flipH="1">
-            <a:off x="2060575" y="5597495"/>
-            <a:ext cx="2190432" cy="11826"/>
+            <a:off x="2060574" y="5597498"/>
+            <a:ext cx="2190438" cy="11761"/>
           </a:xfrm>
           <a:prstGeom prst="straightConnector1">
             <a:avLst/>

--- a/Fig/Intro/Intro_DRF_model/Intro_DRF_model.pptx
+++ b/Fig/Intro/Intro_DRF_model/Intro_DRF_model.pptx
@@ -208,7 +208,7 @@
           <a:p>
             <a:fld id="{C9E36796-3BFE-4867-9ABD-08B4C222DE73}" type="datetimeFigureOut">
               <a:rPr lang="en-US" smtClean="0"/>
-              <a:t>9/19/2017</a:t>
+              <a:t>10/27/2017</a:t>
             </a:fld>
             <a:endParaRPr lang="en-US"/>
           </a:p>
@@ -696,7 +696,7 @@
           <a:p>
             <a:fld id="{FFCA3A82-EC32-4B49-BF0B-8FC2564EDB60}" type="datetimeFigureOut">
               <a:rPr lang="en-US" smtClean="0"/>
-              <a:t>9/19/2017</a:t>
+              <a:t>10/27/2017</a:t>
             </a:fld>
             <a:endParaRPr lang="en-US"/>
           </a:p>
@@ -866,7 +866,7 @@
           <a:p>
             <a:fld id="{FFCA3A82-EC32-4B49-BF0B-8FC2564EDB60}" type="datetimeFigureOut">
               <a:rPr lang="en-US" smtClean="0"/>
-              <a:t>9/19/2017</a:t>
+              <a:t>10/27/2017</a:t>
             </a:fld>
             <a:endParaRPr lang="en-US"/>
           </a:p>
@@ -1046,7 +1046,7 @@
           <a:p>
             <a:fld id="{FFCA3A82-EC32-4B49-BF0B-8FC2564EDB60}" type="datetimeFigureOut">
               <a:rPr lang="en-US" smtClean="0"/>
-              <a:t>9/19/2017</a:t>
+              <a:t>10/27/2017</a:t>
             </a:fld>
             <a:endParaRPr lang="en-US"/>
           </a:p>
@@ -1216,7 +1216,7 @@
           <a:p>
             <a:fld id="{FFCA3A82-EC32-4B49-BF0B-8FC2564EDB60}" type="datetimeFigureOut">
               <a:rPr lang="en-US" smtClean="0"/>
-              <a:t>9/19/2017</a:t>
+              <a:t>10/27/2017</a:t>
             </a:fld>
             <a:endParaRPr lang="en-US"/>
           </a:p>
@@ -1460,7 +1460,7 @@
           <a:p>
             <a:fld id="{FFCA3A82-EC32-4B49-BF0B-8FC2564EDB60}" type="datetimeFigureOut">
               <a:rPr lang="en-US" smtClean="0"/>
-              <a:t>9/19/2017</a:t>
+              <a:t>10/27/2017</a:t>
             </a:fld>
             <a:endParaRPr lang="en-US"/>
           </a:p>
@@ -1692,7 +1692,7 @@
           <a:p>
             <a:fld id="{FFCA3A82-EC32-4B49-BF0B-8FC2564EDB60}" type="datetimeFigureOut">
               <a:rPr lang="en-US" smtClean="0"/>
-              <a:t>9/19/2017</a:t>
+              <a:t>10/27/2017</a:t>
             </a:fld>
             <a:endParaRPr lang="en-US"/>
           </a:p>
@@ -2059,7 +2059,7 @@
           <a:p>
             <a:fld id="{FFCA3A82-EC32-4B49-BF0B-8FC2564EDB60}" type="datetimeFigureOut">
               <a:rPr lang="en-US" smtClean="0"/>
-              <a:t>9/19/2017</a:t>
+              <a:t>10/27/2017</a:t>
             </a:fld>
             <a:endParaRPr lang="en-US"/>
           </a:p>
@@ -2177,7 +2177,7 @@
           <a:p>
             <a:fld id="{FFCA3A82-EC32-4B49-BF0B-8FC2564EDB60}" type="datetimeFigureOut">
               <a:rPr lang="en-US" smtClean="0"/>
-              <a:t>9/19/2017</a:t>
+              <a:t>10/27/2017</a:t>
             </a:fld>
             <a:endParaRPr lang="en-US"/>
           </a:p>
@@ -2272,7 +2272,7 @@
           <a:p>
             <a:fld id="{FFCA3A82-EC32-4B49-BF0B-8FC2564EDB60}" type="datetimeFigureOut">
               <a:rPr lang="en-US" smtClean="0"/>
-              <a:t>9/19/2017</a:t>
+              <a:t>10/27/2017</a:t>
             </a:fld>
             <a:endParaRPr lang="en-US"/>
           </a:p>
@@ -2549,7 +2549,7 @@
           <a:p>
             <a:fld id="{FFCA3A82-EC32-4B49-BF0B-8FC2564EDB60}" type="datetimeFigureOut">
               <a:rPr lang="en-US" smtClean="0"/>
-              <a:t>9/19/2017</a:t>
+              <a:t>10/27/2017</a:t>
             </a:fld>
             <a:endParaRPr lang="en-US"/>
           </a:p>
@@ -2806,7 +2806,7 @@
           <a:p>
             <a:fld id="{FFCA3A82-EC32-4B49-BF0B-8FC2564EDB60}" type="datetimeFigureOut">
               <a:rPr lang="en-US" smtClean="0"/>
-              <a:t>9/19/2017</a:t>
+              <a:t>10/27/2017</a:t>
             </a:fld>
             <a:endParaRPr lang="en-US"/>
           </a:p>
@@ -3019,7 +3019,7 @@
           <a:p>
             <a:fld id="{FFCA3A82-EC32-4B49-BF0B-8FC2564EDB60}" type="datetimeFigureOut">
               <a:rPr lang="en-US" smtClean="0"/>
-              <a:t>9/19/2017</a:t>
+              <a:t>10/27/2017</a:t>
             </a:fld>
             <a:endParaRPr lang="en-US"/>
           </a:p>
@@ -3490,6 +3490,14 @@
           <a:ln>
             <a:noFill/>
           </a:ln>
+          <a:effectLst>
+            <a:outerShdw blurRad="25400" dist="38100" dir="2700000" algn="tl" rotWithShape="0">
+              <a:schemeClr val="bg2">
+                <a:lumMod val="75000"/>
+                <a:alpha val="40000"/>
+              </a:schemeClr>
+            </a:outerShdw>
+          </a:effectLst>
         </p:spPr>
         <p:style>
           <a:lnRef idx="2">
@@ -3531,15 +3539,19 @@
             <a:avLst/>
           </a:prstGeom>
           <a:solidFill>
-            <a:schemeClr val="tx2">
-              <a:lumMod val="50000"/>
-            </a:schemeClr>
+            <a:srgbClr val="222A35"/>
           </a:solidFill>
           <a:ln>
-            <a:solidFill>
-              <a:schemeClr val="bg1"/>
-            </a:solidFill>
+            <a:noFill/>
           </a:ln>
+          <a:effectLst>
+            <a:outerShdw blurRad="25400" dist="38100" dir="2700000" algn="tl" rotWithShape="0">
+              <a:schemeClr val="bg2">
+                <a:lumMod val="50000"/>
+                <a:alpha val="40000"/>
+              </a:schemeClr>
+            </a:outerShdw>
+          </a:effectLst>
         </p:spPr>
         <p:style>
           <a:lnRef idx="2">
@@ -3564,16 +3576,40 @@
             <a:pPr algn="ctr"/>
             <a:r>
               <a:rPr lang="en-US" sz="1600" dirty="0">
+                <a:latin typeface="Open Sans Light" panose="020B0306030504020204" pitchFamily="34" charset="0"/>
+                <a:ea typeface="Open Sans Light" panose="020B0306030504020204" pitchFamily="34" charset="0"/>
+                <a:cs typeface="Open Sans Light" panose="020B0306030504020204" pitchFamily="34" charset="0"/>
+              </a:rPr>
+              <a:t>Dream</a:t>
+            </a:r>
+            <a:r>
+              <a:rPr lang="en-US" sz="1600" dirty="0">
                 <a:latin typeface="Helvetica" pitchFamily="2" charset="0"/>
                 <a:ea typeface="Open Sans" panose="020B0606030504020204" pitchFamily="34" charset="0"/>
                 <a:cs typeface="Open Sans" panose="020B0606030504020204" pitchFamily="34" charset="0"/>
               </a:rPr>
-              <a:t>Dream experience</a:t>
+              <a:t> </a:t>
+            </a:r>
+            <a:r>
+              <a:rPr lang="en-US" sz="1600" dirty="0">
+                <a:latin typeface="Open Sans Semibold" panose="020B0706030804020204" pitchFamily="34" charset="0"/>
+                <a:ea typeface="Open Sans Semibold" panose="020B0706030804020204" pitchFamily="34" charset="0"/>
+                <a:cs typeface="Open Sans Semibold" panose="020B0706030804020204" pitchFamily="34" charset="0"/>
+              </a:rPr>
+              <a:t>E</a:t>
+            </a:r>
+            <a:r>
+              <a:rPr lang="en-US" sz="1600" dirty="0" smtClean="0">
+                <a:latin typeface="Open Sans Semibold" panose="020B0706030804020204" pitchFamily="34" charset="0"/>
+                <a:ea typeface="Open Sans Semibold" panose="020B0706030804020204" pitchFamily="34" charset="0"/>
+                <a:cs typeface="Open Sans Semibold" panose="020B0706030804020204" pitchFamily="34" charset="0"/>
+              </a:rPr>
+              <a:t>xperience</a:t>
             </a:r>
             <a:endParaRPr lang="en-US" sz="1600" dirty="0">
-              <a:latin typeface="Helvetica" pitchFamily="2" charset="0"/>
-              <a:ea typeface="Open Sans" panose="020B0606030504020204" pitchFamily="34" charset="0"/>
-              <a:cs typeface="Open Sans" panose="020B0606030504020204" pitchFamily="34" charset="0"/>
+              <a:latin typeface="Open Sans Semibold" panose="020B0706030804020204" pitchFamily="34" charset="0"/>
+              <a:ea typeface="Open Sans Semibold" panose="020B0706030804020204" pitchFamily="34" charset="0"/>
+              <a:cs typeface="Open Sans Semibold" panose="020B0706030804020204" pitchFamily="34" charset="0"/>
             </a:endParaRPr>
           </a:p>
         </p:txBody>
@@ -3593,14 +3629,19 @@
             <a:avLst/>
           </a:prstGeom>
           <a:solidFill>
-            <a:schemeClr val="tx2">
-              <a:lumMod val="40000"/>
-              <a:lumOff val="60000"/>
-            </a:schemeClr>
+            <a:srgbClr val="9CABC0"/>
           </a:solidFill>
           <a:ln>
             <a:noFill/>
           </a:ln>
+          <a:effectLst>
+            <a:outerShdw blurRad="25400" dist="38100" dir="2700000" algn="tl" rotWithShape="0">
+              <a:schemeClr val="bg2">
+                <a:lumMod val="50000"/>
+                <a:alpha val="40000"/>
+              </a:schemeClr>
+            </a:outerShdw>
+          </a:effectLst>
         </p:spPr>
         <p:style>
           <a:lnRef idx="2">
@@ -3628,19 +3669,41 @@
                 <a:solidFill>
                   <a:schemeClr val="tx1"/>
                 </a:solidFill>
-                <a:latin typeface="Helvetica" pitchFamily="2" charset="0"/>
-                <a:ea typeface="Open Sans" panose="020B0606030504020204" pitchFamily="34" charset="0"/>
-                <a:cs typeface="Open Sans" panose="020B0606030504020204" pitchFamily="34" charset="0"/>
+                <a:latin typeface="Open Sans Light" panose="020B0306030504020204" pitchFamily="34" charset="0"/>
+                <a:ea typeface="Open Sans Light" panose="020B0306030504020204" pitchFamily="34" charset="0"/>
+                <a:cs typeface="Open Sans Light" panose="020B0306030504020204" pitchFamily="34" charset="0"/>
               </a:rPr>
-              <a:t>Dream recall</a:t>
+              <a:t>Dream </a:t>
+            </a:r>
+            <a:r>
+              <a:rPr lang="en-US" sz="1600" dirty="0">
+                <a:solidFill>
+                  <a:schemeClr val="tx1"/>
+                </a:solidFill>
+                <a:latin typeface="Open Sans Semibold" panose="020B0706030804020204" pitchFamily="34" charset="0"/>
+                <a:ea typeface="Open Sans Semibold" panose="020B0706030804020204" pitchFamily="34" charset="0"/>
+                <a:cs typeface="Open Sans Semibold" panose="020B0706030804020204" pitchFamily="34" charset="0"/>
+              </a:rPr>
+              <a:t>R</a:t>
+            </a:r>
+            <a:r>
+              <a:rPr lang="en-US" sz="1600" dirty="0" smtClean="0">
+                <a:solidFill>
+                  <a:schemeClr val="tx1"/>
+                </a:solidFill>
+                <a:latin typeface="Open Sans Semibold" panose="020B0706030804020204" pitchFamily="34" charset="0"/>
+                <a:ea typeface="Open Sans Semibold" panose="020B0706030804020204" pitchFamily="34" charset="0"/>
+                <a:cs typeface="Open Sans Semibold" panose="020B0706030804020204" pitchFamily="34" charset="0"/>
+              </a:rPr>
+              <a:t>ecall</a:t>
             </a:r>
             <a:endParaRPr lang="en-US" sz="1600" dirty="0">
               <a:solidFill>
                 <a:schemeClr val="tx1"/>
               </a:solidFill>
-              <a:latin typeface="Helvetica" pitchFamily="2" charset="0"/>
-              <a:ea typeface="Open Sans" panose="020B0606030504020204" pitchFamily="34" charset="0"/>
-              <a:cs typeface="Open Sans" panose="020B0606030504020204" pitchFamily="34" charset="0"/>
+              <a:latin typeface="Open Sans Semibold" panose="020B0706030804020204" pitchFamily="34" charset="0"/>
+              <a:ea typeface="Open Sans Semibold" panose="020B0706030804020204" pitchFamily="34" charset="0"/>
+              <a:cs typeface="Open Sans Semibold" panose="020B0706030804020204" pitchFamily="34" charset="0"/>
             </a:endParaRPr>
           </a:p>
         </p:txBody>
@@ -3660,6 +3723,7 @@
             <a:avLst/>
           </a:prstGeom>
           <a:noFill/>
+          <a:effectLst/>
         </p:spPr>
         <p:txBody>
           <a:bodyPr wrap="square" rtlCol="0">
@@ -3679,14 +3743,6 @@
               </a:rPr>
               <a:t>Memory encoding</a:t>
             </a:r>
-            <a:endParaRPr lang="en-US" sz="1099" i="1" dirty="0">
-              <a:solidFill>
-                <a:schemeClr val="bg1"/>
-              </a:solidFill>
-              <a:latin typeface="Helvetica" pitchFamily="2" charset="0"/>
-              <a:ea typeface="Open Sans" panose="020B0606030504020204" pitchFamily="34" charset="0"/>
-              <a:cs typeface="Open Sans" panose="020B0606030504020204" pitchFamily="34" charset="0"/>
-            </a:endParaRPr>
           </a:p>
         </p:txBody>
       </p:sp>
@@ -3846,39 +3902,7 @@
                 <a:ea typeface="Open Sans" panose="020B0606030504020204" pitchFamily="34" charset="0"/>
                 <a:cs typeface="Open Sans" panose="020B0606030504020204" pitchFamily="34" charset="0"/>
               </a:rPr>
-              <a:t>Dreams </a:t>
-            </a:r>
-            <a:r>
-              <a:rPr lang="en-US" sz="900" dirty="0">
-                <a:latin typeface="Helvetica" pitchFamily="2" charset="0"/>
-                <a:ea typeface="Open Sans" panose="020B0606030504020204" pitchFamily="34" charset="0"/>
-                <a:cs typeface="Open Sans" panose="020B0606030504020204" pitchFamily="34" charset="0"/>
-              </a:rPr>
-              <a:t>that are not </a:t>
-            </a:r>
-            <a:r>
-              <a:rPr lang="en-US" sz="900" dirty="0">
-                <a:latin typeface="Helvetica" pitchFamily="2" charset="0"/>
-                <a:ea typeface="Open Sans" panose="020B0606030504020204" pitchFamily="34" charset="0"/>
-                <a:cs typeface="Open Sans" panose="020B0606030504020204" pitchFamily="34" charset="0"/>
-              </a:rPr>
-              <a:t>sufficiently disguised to pass the censor will </a:t>
-            </a:r>
-            <a:r>
-              <a:rPr lang="en-US" sz="900" dirty="0">
-                <a:latin typeface="Helvetica" pitchFamily="2" charset="0"/>
-                <a:ea typeface="Open Sans" panose="020B0606030504020204" pitchFamily="34" charset="0"/>
-                <a:cs typeface="Open Sans" panose="020B0606030504020204" pitchFamily="34" charset="0"/>
-              </a:rPr>
-              <a:t>be entirely repressed and therefore </a:t>
-            </a:r>
-            <a:r>
-              <a:rPr lang="en-US" sz="900" dirty="0">
-                <a:latin typeface="Helvetica" pitchFamily="2" charset="0"/>
-                <a:ea typeface="Open Sans" panose="020B0606030504020204" pitchFamily="34" charset="0"/>
-                <a:cs typeface="Open Sans" panose="020B0606030504020204" pitchFamily="34" charset="0"/>
-              </a:rPr>
-              <a:t>forgotten</a:t>
+              <a:t>Dreams that are not sufficiently disguised to pass the censor will be entirely repressed and therefore forgotten</a:t>
             </a:r>
             <a:endParaRPr lang="en-US" sz="900" i="1" dirty="0">
               <a:latin typeface="Helvetica" pitchFamily="2" charset="0"/>
@@ -4051,23 +4075,7 @@
                 <a:ea typeface="Open Sans" panose="020B0606030504020204" pitchFamily="34" charset="0"/>
                 <a:cs typeface="Open Sans" panose="020B0606030504020204" pitchFamily="34" charset="0"/>
               </a:rPr>
-              <a:t>a period of wakefulness occur just </a:t>
-            </a:r>
-            <a:r>
-              <a:rPr lang="en-US" sz="900" dirty="0">
-                <a:latin typeface="Helvetica" pitchFamily="2" charset="0"/>
-                <a:ea typeface="Open Sans" panose="020B0606030504020204" pitchFamily="34" charset="0"/>
-                <a:cs typeface="Open Sans" panose="020B0606030504020204" pitchFamily="34" charset="0"/>
-              </a:rPr>
-              <a:t>after </a:t>
-            </a:r>
-            <a:r>
-              <a:rPr lang="en-US" sz="900" dirty="0">
-                <a:latin typeface="Helvetica" pitchFamily="2" charset="0"/>
-                <a:ea typeface="Open Sans" panose="020B0606030504020204" pitchFamily="34" charset="0"/>
-                <a:cs typeface="Open Sans" panose="020B0606030504020204" pitchFamily="34" charset="0"/>
-              </a:rPr>
-              <a:t>dreaming</a:t>
+              <a:t>a period of wakefulness occur just after dreaming</a:t>
             </a:r>
           </a:p>
           <a:p>
@@ -4171,55 +4179,7 @@
                 <a:ea typeface="Open Sans" panose="020B0606030504020204" pitchFamily="34" charset="0"/>
                 <a:cs typeface="Open Sans" panose="020B0606030504020204" pitchFamily="34" charset="0"/>
               </a:rPr>
-              <a:t>The </a:t>
-            </a:r>
-            <a:r>
-              <a:rPr lang="en-US" sz="900" dirty="0">
-                <a:latin typeface="Helvetica" pitchFamily="2" charset="0"/>
-                <a:ea typeface="Open Sans" panose="020B0606030504020204" pitchFamily="34" charset="0"/>
-                <a:cs typeface="Open Sans" panose="020B0606030504020204" pitchFamily="34" charset="0"/>
-              </a:rPr>
-              <a:t>dream memory trace remains so long </a:t>
-            </a:r>
-            <a:r>
-              <a:rPr lang="en-US" sz="900" dirty="0">
-                <a:latin typeface="Helvetica" pitchFamily="2" charset="0"/>
-                <a:ea typeface="Open Sans" panose="020B0606030504020204" pitchFamily="34" charset="0"/>
-                <a:cs typeface="Open Sans" panose="020B0606030504020204" pitchFamily="34" charset="0"/>
-              </a:rPr>
-              <a:t>as there </a:t>
-            </a:r>
-            <a:r>
-              <a:rPr lang="en-US" sz="900" dirty="0">
-                <a:latin typeface="Helvetica" pitchFamily="2" charset="0"/>
-                <a:ea typeface="Open Sans" panose="020B0606030504020204" pitchFamily="34" charset="0"/>
-                <a:cs typeface="Open Sans" panose="020B0606030504020204" pitchFamily="34" charset="0"/>
-              </a:rPr>
-              <a:t>is </a:t>
-            </a:r>
-            <a:r>
-              <a:rPr lang="en-US" sz="900" dirty="0">
-                <a:latin typeface="Helvetica" pitchFamily="2" charset="0"/>
-                <a:ea typeface="Open Sans" panose="020B0606030504020204" pitchFamily="34" charset="0"/>
-                <a:cs typeface="Open Sans" panose="020B0606030504020204" pitchFamily="34" charset="0"/>
-              </a:rPr>
-              <a:t>interference (i.e. </a:t>
-            </a:r>
-            <a:r>
-              <a:rPr lang="en-US" sz="900" dirty="0">
-                <a:latin typeface="Helvetica" pitchFamily="2" charset="0"/>
-                <a:ea typeface="Open Sans" panose="020B0606030504020204" pitchFamily="34" charset="0"/>
-                <a:cs typeface="Open Sans" panose="020B0606030504020204" pitchFamily="34" charset="0"/>
-              </a:rPr>
-              <a:t>the dreamer must voluntarily pay attention to the dream immediately after awakening</a:t>
-            </a:r>
-            <a:r>
-              <a:rPr lang="en-US" sz="900" dirty="0">
-                <a:latin typeface="Helvetica" pitchFamily="2" charset="0"/>
-                <a:ea typeface="Open Sans" panose="020B0606030504020204" pitchFamily="34" charset="0"/>
-                <a:cs typeface="Open Sans" panose="020B0606030504020204" pitchFamily="34" charset="0"/>
-              </a:rPr>
-              <a:t>)</a:t>
+              <a:t>The dream memory trace remains so long as there is interference (i.e. the dreamer must voluntarily pay attention to the dream immediately after awakening)</a:t>
             </a:r>
           </a:p>
         </p:txBody>
@@ -4297,31 +4257,7 @@
                 <a:ea typeface="Open Sans" panose="020B0606030504020204" pitchFamily="34" charset="0"/>
                 <a:cs typeface="Open Sans" panose="020B0606030504020204" pitchFamily="34" charset="0"/>
               </a:rPr>
-              <a:t>Higher interest in dreams and </a:t>
-            </a:r>
-            <a:r>
-              <a:rPr lang="en-US" sz="900" dirty="0">
-                <a:latin typeface="Helvetica" pitchFamily="2" charset="0"/>
-                <a:ea typeface="Open Sans" panose="020B0606030504020204" pitchFamily="34" charset="0"/>
-                <a:cs typeface="Open Sans" panose="020B0606030504020204" pitchFamily="34" charset="0"/>
-              </a:rPr>
-              <a:t>thinner </a:t>
-            </a:r>
-            <a:r>
-              <a:rPr lang="en-US" sz="900" dirty="0">
-                <a:latin typeface="Helvetica" pitchFamily="2" charset="0"/>
-                <a:ea typeface="Open Sans" panose="020B0606030504020204" pitchFamily="34" charset="0"/>
-                <a:cs typeface="Open Sans" panose="020B0606030504020204" pitchFamily="34" charset="0"/>
-              </a:rPr>
-              <a:t>boundaries result in higher dream </a:t>
-            </a:r>
-            <a:r>
-              <a:rPr lang="en-US" sz="900" dirty="0">
-                <a:latin typeface="Helvetica" pitchFamily="2" charset="0"/>
-                <a:ea typeface="Open Sans" panose="020B0606030504020204" pitchFamily="34" charset="0"/>
-                <a:cs typeface="Open Sans" panose="020B0606030504020204" pitchFamily="34" charset="0"/>
-              </a:rPr>
-              <a:t>recall</a:t>
+              <a:t>Higher interest in dreams and thinner boundaries result in higher dream recall</a:t>
             </a:r>
             <a:endParaRPr lang="en-US" sz="900" i="1" dirty="0">
               <a:latin typeface="Helvetica" pitchFamily="2" charset="0"/>
